--- a/Documentation/Superstore Helpline Presentation.pptx
+++ b/Documentation/Superstore Helpline Presentation.pptx
@@ -6,15 +6,16 @@
   </p:sldMasterIdLst>
   <p:sldIdLst>
     <p:sldId id="260" r:id="rId2"/>
-    <p:sldId id="261" r:id="rId3"/>
-    <p:sldId id="262" r:id="rId4"/>
-    <p:sldId id="256" r:id="rId5"/>
-    <p:sldId id="257" r:id="rId6"/>
-    <p:sldId id="258" r:id="rId7"/>
-    <p:sldId id="259" r:id="rId8"/>
-    <p:sldId id="263" r:id="rId9"/>
-    <p:sldId id="264" r:id="rId10"/>
-    <p:sldId id="265" r:id="rId11"/>
+    <p:sldId id="262" r:id="rId3"/>
+    <p:sldId id="256" r:id="rId4"/>
+    <p:sldId id="257" r:id="rId5"/>
+    <p:sldId id="258" r:id="rId6"/>
+    <p:sldId id="259" r:id="rId7"/>
+    <p:sldId id="263" r:id="rId8"/>
+    <p:sldId id="264" r:id="rId9"/>
+    <p:sldId id="265" r:id="rId10"/>
+    <p:sldId id="267" r:id="rId11"/>
+    <p:sldId id="266" r:id="rId12"/>
   </p:sldIdLst>
   <p:sldSz cx="12192000" cy="6858000"/>
   <p:notesSz cx="6858000" cy="9144000"/>
@@ -171,7 +172,7 @@
           <a:noFill/>
           <a:extLst>
             <a:ext uri="{909E8E84-426E-40dd-AFC4-6F175D3DCCD1}">
-              <a14:hiddenFill xmlns="" xmlns:a14="http://schemas.microsoft.com/office/drawing/2010/main">
+              <a14:hiddenFill xmlns:a14="http://schemas.microsoft.com/office/drawing/2010/main" xmlns="">
                 <a:solidFill>
                   <a:srgbClr val="FFFFFF"/>
                 </a:solidFill>
@@ -231,7 +232,7 @@
             </a:ln>
             <a:extLst>
               <a:ext uri="{91240B29-F687-4f45-9708-019B960494DF}">
-                <a14:hiddenLine xmlns="" xmlns:a14="http://schemas.microsoft.com/office/drawing/2010/main" w="9525">
+                <a14:hiddenLine xmlns:a14="http://schemas.microsoft.com/office/drawing/2010/main" xmlns="" w="9525">
                   <a:solidFill>
                     <a:srgbClr val="000000"/>
                   </a:solidFill>
@@ -321,7 +322,7 @@
             </a:ln>
             <a:extLst>
               <a:ext uri="{91240B29-F687-4f45-9708-019B960494DF}">
-                <a14:hiddenLine xmlns="" xmlns:a14="http://schemas.microsoft.com/office/drawing/2010/main" w="9525">
+                <a14:hiddenLine xmlns:a14="http://schemas.microsoft.com/office/drawing/2010/main" xmlns="" w="9525">
                   <a:solidFill>
                     <a:srgbClr val="000000"/>
                   </a:solidFill>
@@ -411,7 +412,7 @@
             </a:ln>
             <a:extLst>
               <a:ext uri="{91240B29-F687-4f45-9708-019B960494DF}">
-                <a14:hiddenLine xmlns="" xmlns:a14="http://schemas.microsoft.com/office/drawing/2010/main" w="9525">
+                <a14:hiddenLine xmlns:a14="http://schemas.microsoft.com/office/drawing/2010/main" xmlns="" w="9525">
                   <a:solidFill>
                     <a:srgbClr val="000000"/>
                   </a:solidFill>
@@ -445,7 +446,7 @@
             </a:ln>
             <a:extLst>
               <a:ext uri="{91240B29-F687-4f45-9708-019B960494DF}">
-                <a14:hiddenLine xmlns="" xmlns:a14="http://schemas.microsoft.com/office/drawing/2010/main" w="9525">
+                <a14:hiddenLine xmlns:a14="http://schemas.microsoft.com/office/drawing/2010/main" xmlns="" w="9525">
                   <a:solidFill>
                     <a:srgbClr val="000000"/>
                   </a:solidFill>
@@ -535,7 +536,7 @@
             </a:ln>
             <a:extLst>
               <a:ext uri="{91240B29-F687-4f45-9708-019B960494DF}">
-                <a14:hiddenLine xmlns="" xmlns:a14="http://schemas.microsoft.com/office/drawing/2010/main" w="9525">
+                <a14:hiddenLine xmlns:a14="http://schemas.microsoft.com/office/drawing/2010/main" xmlns="" w="9525">
                   <a:solidFill>
                     <a:srgbClr val="000000"/>
                   </a:solidFill>
@@ -597,7 +598,7 @@
             </a:ln>
             <a:extLst>
               <a:ext uri="{91240B29-F687-4f45-9708-019B960494DF}">
-                <a14:hiddenLine xmlns="" xmlns:a14="http://schemas.microsoft.com/office/drawing/2010/main" w="9525">
+                <a14:hiddenLine xmlns:a14="http://schemas.microsoft.com/office/drawing/2010/main" xmlns="" w="9525">
                   <a:solidFill>
                     <a:srgbClr val="000000"/>
                   </a:solidFill>
@@ -659,7 +660,7 @@
             </a:ln>
             <a:extLst>
               <a:ext uri="{91240B29-F687-4f45-9708-019B960494DF}">
-                <a14:hiddenLine xmlns="" xmlns:a14="http://schemas.microsoft.com/office/drawing/2010/main" w="9525">
+                <a14:hiddenLine xmlns:a14="http://schemas.microsoft.com/office/drawing/2010/main" xmlns="" w="9525">
                   <a:solidFill>
                     <a:srgbClr val="000000"/>
                   </a:solidFill>
@@ -749,7 +750,7 @@
             </a:ln>
             <a:extLst>
               <a:ext uri="{91240B29-F687-4f45-9708-019B960494DF}">
-                <a14:hiddenLine xmlns="" xmlns:a14="http://schemas.microsoft.com/office/drawing/2010/main" w="9525">
+                <a14:hiddenLine xmlns:a14="http://schemas.microsoft.com/office/drawing/2010/main" xmlns="" w="9525">
                   <a:solidFill>
                     <a:srgbClr val="000000"/>
                   </a:solidFill>
@@ -811,7 +812,7 @@
             </a:ln>
             <a:extLst>
               <a:ext uri="{91240B29-F687-4f45-9708-019B960494DF}">
-                <a14:hiddenLine xmlns="" xmlns:a14="http://schemas.microsoft.com/office/drawing/2010/main" w="9525">
+                <a14:hiddenLine xmlns:a14="http://schemas.microsoft.com/office/drawing/2010/main" xmlns="" w="9525">
                   <a:solidFill>
                     <a:srgbClr val="000000"/>
                   </a:solidFill>
@@ -873,7 +874,7 @@
             </a:ln>
             <a:extLst>
               <a:ext uri="{91240B29-F687-4f45-9708-019B960494DF}">
-                <a14:hiddenLine xmlns="" xmlns:a14="http://schemas.microsoft.com/office/drawing/2010/main" w="9525">
+                <a14:hiddenLine xmlns:a14="http://schemas.microsoft.com/office/drawing/2010/main" xmlns="" w="9525">
                   <a:solidFill>
                     <a:srgbClr val="000000"/>
                   </a:solidFill>
@@ -963,7 +964,7 @@
             </a:ln>
             <a:extLst>
               <a:ext uri="{91240B29-F687-4f45-9708-019B960494DF}">
-                <a14:hiddenLine xmlns="" xmlns:a14="http://schemas.microsoft.com/office/drawing/2010/main" w="9525">
+                <a14:hiddenLine xmlns:a14="http://schemas.microsoft.com/office/drawing/2010/main" xmlns="" w="9525">
                   <a:solidFill>
                     <a:srgbClr val="000000"/>
                   </a:solidFill>
@@ -1053,7 +1054,7 @@
             </a:ln>
             <a:extLst>
               <a:ext uri="{91240B29-F687-4f45-9708-019B960494DF}">
-                <a14:hiddenLine xmlns="" xmlns:a14="http://schemas.microsoft.com/office/drawing/2010/main" w="9525">
+                <a14:hiddenLine xmlns:a14="http://schemas.microsoft.com/office/drawing/2010/main" xmlns="" w="9525">
                   <a:solidFill>
                     <a:srgbClr val="000000"/>
                   </a:solidFill>
@@ -1115,7 +1116,7 @@
             </a:ln>
             <a:extLst>
               <a:ext uri="{91240B29-F687-4f45-9708-019B960494DF}">
-                <a14:hiddenLine xmlns="" xmlns:a14="http://schemas.microsoft.com/office/drawing/2010/main" w="9525">
+                <a14:hiddenLine xmlns:a14="http://schemas.microsoft.com/office/drawing/2010/main" xmlns="" w="9525">
                   <a:solidFill>
                     <a:srgbClr val="000000"/>
                   </a:solidFill>
@@ -1225,7 +1226,7 @@
             </a:ln>
             <a:extLst>
               <a:ext uri="{91240B29-F687-4f45-9708-019B960494DF}">
-                <a14:hiddenLine xmlns="" xmlns:a14="http://schemas.microsoft.com/office/drawing/2010/main" w="9525">
+                <a14:hiddenLine xmlns:a14="http://schemas.microsoft.com/office/drawing/2010/main" xmlns="" w="9525">
                   <a:solidFill>
                     <a:srgbClr val="000000"/>
                   </a:solidFill>
@@ -1287,7 +1288,7 @@
             </a:ln>
             <a:extLst>
               <a:ext uri="{91240B29-F687-4f45-9708-019B960494DF}">
-                <a14:hiddenLine xmlns="" xmlns:a14="http://schemas.microsoft.com/office/drawing/2010/main" w="9525">
+                <a14:hiddenLine xmlns:a14="http://schemas.microsoft.com/office/drawing/2010/main" xmlns="" w="9525">
                   <a:solidFill>
                     <a:srgbClr val="000000"/>
                   </a:solidFill>
@@ -1377,7 +1378,7 @@
             </a:ln>
             <a:extLst>
               <a:ext uri="{91240B29-F687-4f45-9708-019B960494DF}">
-                <a14:hiddenLine xmlns="" xmlns:a14="http://schemas.microsoft.com/office/drawing/2010/main" w="9525">
+                <a14:hiddenLine xmlns:a14="http://schemas.microsoft.com/office/drawing/2010/main" xmlns="" w="9525">
                   <a:solidFill>
                     <a:srgbClr val="000000"/>
                   </a:solidFill>
@@ -1467,7 +1468,7 @@
             </a:ln>
             <a:extLst>
               <a:ext uri="{91240B29-F687-4f45-9708-019B960494DF}">
-                <a14:hiddenLine xmlns="" xmlns:a14="http://schemas.microsoft.com/office/drawing/2010/main" w="9525">
+                <a14:hiddenLine xmlns:a14="http://schemas.microsoft.com/office/drawing/2010/main" xmlns="" w="9525">
                   <a:solidFill>
                     <a:srgbClr val="000000"/>
                   </a:solidFill>
@@ -1529,7 +1530,7 @@
             </a:ln>
             <a:extLst>
               <a:ext uri="{91240B29-F687-4f45-9708-019B960494DF}">
-                <a14:hiddenLine xmlns="" xmlns:a14="http://schemas.microsoft.com/office/drawing/2010/main" w="9525">
+                <a14:hiddenLine xmlns:a14="http://schemas.microsoft.com/office/drawing/2010/main" xmlns="" w="9525">
                   <a:solidFill>
                     <a:srgbClr val="000000"/>
                   </a:solidFill>
@@ -1619,7 +1620,7 @@
             </a:ln>
             <a:extLst>
               <a:ext uri="{91240B29-F687-4f45-9708-019B960494DF}">
-                <a14:hiddenLine xmlns="" xmlns:a14="http://schemas.microsoft.com/office/drawing/2010/main" w="9525">
+                <a14:hiddenLine xmlns:a14="http://schemas.microsoft.com/office/drawing/2010/main" xmlns="" w="9525">
                   <a:solidFill>
                     <a:srgbClr val="000000"/>
                   </a:solidFill>
@@ -1709,7 +1710,7 @@
             </a:ln>
             <a:extLst>
               <a:ext uri="{91240B29-F687-4f45-9708-019B960494DF}">
-                <a14:hiddenLine xmlns="" xmlns:a14="http://schemas.microsoft.com/office/drawing/2010/main" w="9525">
+                <a14:hiddenLine xmlns:a14="http://schemas.microsoft.com/office/drawing/2010/main" xmlns="" w="9525">
                   <a:solidFill>
                     <a:srgbClr val="000000"/>
                   </a:solidFill>
@@ -1765,7 +1766,7 @@
             </a:ln>
             <a:extLst>
               <a:ext uri="{91240B29-F687-4f45-9708-019B960494DF}">
-                <a14:hiddenLine xmlns="" xmlns:a14="http://schemas.microsoft.com/office/drawing/2010/main" w="9525">
+                <a14:hiddenLine xmlns:a14="http://schemas.microsoft.com/office/drawing/2010/main" xmlns="" w="9525">
                   <a:solidFill>
                     <a:srgbClr val="000000"/>
                   </a:solidFill>
@@ -1855,7 +1856,7 @@
             </a:ln>
             <a:extLst>
               <a:ext uri="{91240B29-F687-4f45-9708-019B960494DF}">
-                <a14:hiddenLine xmlns="" xmlns:a14="http://schemas.microsoft.com/office/drawing/2010/main" w="9525">
+                <a14:hiddenLine xmlns:a14="http://schemas.microsoft.com/office/drawing/2010/main" xmlns="" w="9525">
                   <a:solidFill>
                     <a:srgbClr val="000000"/>
                   </a:solidFill>
@@ -1911,7 +1912,7 @@
             </a:ln>
             <a:extLst>
               <a:ext uri="{91240B29-F687-4f45-9708-019B960494DF}">
-                <a14:hiddenLine xmlns="" xmlns:a14="http://schemas.microsoft.com/office/drawing/2010/main" w="9525">
+                <a14:hiddenLine xmlns:a14="http://schemas.microsoft.com/office/drawing/2010/main" xmlns="" w="9525">
                   <a:solidFill>
                     <a:srgbClr val="000000"/>
                   </a:solidFill>
@@ -2001,7 +2002,7 @@
             </a:ln>
             <a:extLst>
               <a:ext uri="{91240B29-F687-4f45-9708-019B960494DF}">
-                <a14:hiddenLine xmlns="" xmlns:a14="http://schemas.microsoft.com/office/drawing/2010/main" w="9525">
+                <a14:hiddenLine xmlns:a14="http://schemas.microsoft.com/office/drawing/2010/main" xmlns="" w="9525">
                   <a:solidFill>
                     <a:srgbClr val="000000"/>
                   </a:solidFill>
@@ -2069,7 +2070,7 @@
             </a:ln>
             <a:extLst>
               <a:ext uri="{91240B29-F687-4f45-9708-019B960494DF}">
-                <a14:hiddenLine xmlns="" xmlns:a14="http://schemas.microsoft.com/office/drawing/2010/main" w="9525">
+                <a14:hiddenLine xmlns:a14="http://schemas.microsoft.com/office/drawing/2010/main" xmlns="" w="9525">
                   <a:solidFill>
                     <a:srgbClr val="000000"/>
                   </a:solidFill>
@@ -2159,7 +2160,7 @@
             </a:ln>
             <a:extLst>
               <a:ext uri="{91240B29-F687-4f45-9708-019B960494DF}">
-                <a14:hiddenLine xmlns="" xmlns:a14="http://schemas.microsoft.com/office/drawing/2010/main" w="9525">
+                <a14:hiddenLine xmlns:a14="http://schemas.microsoft.com/office/drawing/2010/main" xmlns="" w="9525">
                   <a:solidFill>
                     <a:srgbClr val="000000"/>
                   </a:solidFill>
@@ -2227,7 +2228,7 @@
             </a:ln>
             <a:extLst>
               <a:ext uri="{91240B29-F687-4f45-9708-019B960494DF}">
-                <a14:hiddenLine xmlns="" xmlns:a14="http://schemas.microsoft.com/office/drawing/2010/main" w="9525">
+                <a14:hiddenLine xmlns:a14="http://schemas.microsoft.com/office/drawing/2010/main" xmlns="" w="9525">
                   <a:solidFill>
                     <a:srgbClr val="000000"/>
                   </a:solidFill>
@@ -2317,7 +2318,7 @@
             </a:ln>
             <a:extLst>
               <a:ext uri="{91240B29-F687-4f45-9708-019B960494DF}">
-                <a14:hiddenLine xmlns="" xmlns:a14="http://schemas.microsoft.com/office/drawing/2010/main" w="9525">
+                <a14:hiddenLine xmlns:a14="http://schemas.microsoft.com/office/drawing/2010/main" xmlns="" w="9525">
                   <a:solidFill>
                     <a:srgbClr val="000000"/>
                   </a:solidFill>
@@ -2351,7 +2352,7 @@
             </a:ln>
             <a:extLst>
               <a:ext uri="{91240B29-F687-4f45-9708-019B960494DF}">
-                <a14:hiddenLine xmlns="" xmlns:a14="http://schemas.microsoft.com/office/drawing/2010/main" w="9525">
+                <a14:hiddenLine xmlns:a14="http://schemas.microsoft.com/office/drawing/2010/main" xmlns="" w="9525">
                   <a:solidFill>
                     <a:srgbClr val="000000"/>
                   </a:solidFill>
@@ -2441,7 +2442,7 @@
             </a:ln>
             <a:extLst>
               <a:ext uri="{91240B29-F687-4f45-9708-019B960494DF}">
-                <a14:hiddenLine xmlns="" xmlns:a14="http://schemas.microsoft.com/office/drawing/2010/main" w="9525">
+                <a14:hiddenLine xmlns:a14="http://schemas.microsoft.com/office/drawing/2010/main" xmlns="" w="9525">
                   <a:solidFill>
                     <a:srgbClr val="000000"/>
                   </a:solidFill>
@@ -2503,7 +2504,7 @@
             </a:ln>
             <a:extLst>
               <a:ext uri="{91240B29-F687-4f45-9708-019B960494DF}">
-                <a14:hiddenLine xmlns="" xmlns:a14="http://schemas.microsoft.com/office/drawing/2010/main" w="9525">
+                <a14:hiddenLine xmlns:a14="http://schemas.microsoft.com/office/drawing/2010/main" xmlns="" w="9525">
                   <a:solidFill>
                     <a:srgbClr val="000000"/>
                   </a:solidFill>
@@ -2565,7 +2566,7 @@
             </a:ln>
             <a:extLst>
               <a:ext uri="{91240B29-F687-4f45-9708-019B960494DF}">
-                <a14:hiddenLine xmlns="" xmlns:a14="http://schemas.microsoft.com/office/drawing/2010/main" w="9525">
+                <a14:hiddenLine xmlns:a14="http://schemas.microsoft.com/office/drawing/2010/main" xmlns="" w="9525">
                   <a:solidFill>
                     <a:srgbClr val="000000"/>
                   </a:solidFill>
@@ -2655,7 +2656,7 @@
             </a:ln>
             <a:extLst>
               <a:ext uri="{91240B29-F687-4f45-9708-019B960494DF}">
-                <a14:hiddenLine xmlns="" xmlns:a14="http://schemas.microsoft.com/office/drawing/2010/main" w="9525">
+                <a14:hiddenLine xmlns:a14="http://schemas.microsoft.com/office/drawing/2010/main" xmlns="" w="9525">
                   <a:solidFill>
                     <a:srgbClr val="000000"/>
                   </a:solidFill>
@@ -2723,7 +2724,7 @@
             </a:ln>
             <a:extLst>
               <a:ext uri="{91240B29-F687-4f45-9708-019B960494DF}">
-                <a14:hiddenLine xmlns="" xmlns:a14="http://schemas.microsoft.com/office/drawing/2010/main" w="9525">
+                <a14:hiddenLine xmlns:a14="http://schemas.microsoft.com/office/drawing/2010/main" xmlns="" w="9525">
                   <a:solidFill>
                     <a:srgbClr val="000000"/>
                   </a:solidFill>
@@ -2785,7 +2786,7 @@
             </a:ln>
             <a:extLst>
               <a:ext uri="{91240B29-F687-4f45-9708-019B960494DF}">
-                <a14:hiddenLine xmlns="" xmlns:a14="http://schemas.microsoft.com/office/drawing/2010/main" w="9525">
+                <a14:hiddenLine xmlns:a14="http://schemas.microsoft.com/office/drawing/2010/main" xmlns="" w="9525">
                   <a:solidFill>
                     <a:srgbClr val="000000"/>
                   </a:solidFill>
@@ -2875,7 +2876,7 @@
             </a:ln>
             <a:extLst>
               <a:ext uri="{91240B29-F687-4f45-9708-019B960494DF}">
-                <a14:hiddenLine xmlns="" xmlns:a14="http://schemas.microsoft.com/office/drawing/2010/main" w="9525">
+                <a14:hiddenLine xmlns:a14="http://schemas.microsoft.com/office/drawing/2010/main" xmlns="" w="9525">
                   <a:solidFill>
                     <a:srgbClr val="000000"/>
                   </a:solidFill>
@@ -2937,7 +2938,7 @@
             </a:ln>
             <a:extLst>
               <a:ext uri="{91240B29-F687-4f45-9708-019B960494DF}">
-                <a14:hiddenLine xmlns="" xmlns:a14="http://schemas.microsoft.com/office/drawing/2010/main" w="9525">
+                <a14:hiddenLine xmlns:a14="http://schemas.microsoft.com/office/drawing/2010/main" xmlns="" w="9525">
                   <a:solidFill>
                     <a:srgbClr val="000000"/>
                   </a:solidFill>
@@ -3027,7 +3028,7 @@
             </a:ln>
             <a:extLst>
               <a:ext uri="{91240B29-F687-4f45-9708-019B960494DF}">
-                <a14:hiddenLine xmlns="" xmlns:a14="http://schemas.microsoft.com/office/drawing/2010/main" w="9525">
+                <a14:hiddenLine xmlns:a14="http://schemas.microsoft.com/office/drawing/2010/main" xmlns="" w="9525">
                   <a:solidFill>
                     <a:srgbClr val="000000"/>
                   </a:solidFill>
@@ -3089,7 +3090,7 @@
             </a:ln>
             <a:extLst>
               <a:ext uri="{91240B29-F687-4f45-9708-019B960494DF}">
-                <a14:hiddenLine xmlns="" xmlns:a14="http://schemas.microsoft.com/office/drawing/2010/main" w="9525">
+                <a14:hiddenLine xmlns:a14="http://schemas.microsoft.com/office/drawing/2010/main" xmlns="" w="9525">
                   <a:solidFill>
                     <a:srgbClr val="000000"/>
                   </a:solidFill>
@@ -3179,7 +3180,7 @@
             </a:ln>
             <a:extLst>
               <a:ext uri="{91240B29-F687-4f45-9708-019B960494DF}">
-                <a14:hiddenLine xmlns="" xmlns:a14="http://schemas.microsoft.com/office/drawing/2010/main" w="9525">
+                <a14:hiddenLine xmlns:a14="http://schemas.microsoft.com/office/drawing/2010/main" xmlns="" w="9525">
                   <a:solidFill>
                     <a:srgbClr val="000000"/>
                   </a:solidFill>
@@ -3213,7 +3214,7 @@
             </a:ln>
             <a:extLst>
               <a:ext uri="{91240B29-F687-4f45-9708-019B960494DF}">
-                <a14:hiddenLine xmlns="" xmlns:a14="http://schemas.microsoft.com/office/drawing/2010/main" w="9525">
+                <a14:hiddenLine xmlns:a14="http://schemas.microsoft.com/office/drawing/2010/main" xmlns="" w="9525">
                   <a:solidFill>
                     <a:srgbClr val="000000"/>
                   </a:solidFill>
@@ -3278,7 +3279,7 @@
             </a:ln>
             <a:extLst>
               <a:ext uri="{91240B29-F687-4f45-9708-019B960494DF}">
-                <a14:hiddenLine xmlns="" xmlns:a14="http://schemas.microsoft.com/office/drawing/2010/main" w="9525">
+                <a14:hiddenLine xmlns:a14="http://schemas.microsoft.com/office/drawing/2010/main" xmlns="" w="9525">
                   <a:solidFill>
                     <a:srgbClr val="000000"/>
                   </a:solidFill>
@@ -3368,7 +3369,7 @@
             </a:ln>
             <a:extLst>
               <a:ext uri="{91240B29-F687-4f45-9708-019B960494DF}">
-                <a14:hiddenLine xmlns="" xmlns:a14="http://schemas.microsoft.com/office/drawing/2010/main" w="9525">
+                <a14:hiddenLine xmlns:a14="http://schemas.microsoft.com/office/drawing/2010/main" xmlns="" w="9525">
                   <a:solidFill>
                     <a:srgbClr val="000000"/>
                   </a:solidFill>
@@ -3430,7 +3431,7 @@
             </a:ln>
             <a:extLst>
               <a:ext uri="{91240B29-F687-4f45-9708-019B960494DF}">
-                <a14:hiddenLine xmlns="" xmlns:a14="http://schemas.microsoft.com/office/drawing/2010/main" w="9525">
+                <a14:hiddenLine xmlns:a14="http://schemas.microsoft.com/office/drawing/2010/main" xmlns="" w="9525">
                   <a:solidFill>
                     <a:srgbClr val="000000"/>
                   </a:solidFill>
@@ -3520,7 +3521,7 @@
             </a:ln>
             <a:extLst>
               <a:ext uri="{91240B29-F687-4f45-9708-019B960494DF}">
-                <a14:hiddenLine xmlns="" xmlns:a14="http://schemas.microsoft.com/office/drawing/2010/main" w="9525">
+                <a14:hiddenLine xmlns:a14="http://schemas.microsoft.com/office/drawing/2010/main" xmlns="" w="9525">
                   <a:solidFill>
                     <a:srgbClr val="000000"/>
                   </a:solidFill>
@@ -3610,7 +3611,7 @@
             </a:ln>
             <a:extLst>
               <a:ext uri="{91240B29-F687-4f45-9708-019B960494DF}">
-                <a14:hiddenLine xmlns="" xmlns:a14="http://schemas.microsoft.com/office/drawing/2010/main" w="9525">
+                <a14:hiddenLine xmlns:a14="http://schemas.microsoft.com/office/drawing/2010/main" xmlns="" w="9525">
                   <a:solidFill>
                     <a:srgbClr val="000000"/>
                   </a:solidFill>
@@ -3675,7 +3676,7 @@
             </a:ln>
             <a:extLst>
               <a:ext uri="{91240B29-F687-4f45-9708-019B960494DF}">
-                <a14:hiddenLine xmlns="" xmlns:a14="http://schemas.microsoft.com/office/drawing/2010/main" w="9525">
+                <a14:hiddenLine xmlns:a14="http://schemas.microsoft.com/office/drawing/2010/main" xmlns="" w="9525">
                   <a:solidFill>
                     <a:srgbClr val="000000"/>
                   </a:solidFill>
@@ -3737,7 +3738,7 @@
             </a:ln>
             <a:extLst>
               <a:ext uri="{91240B29-F687-4f45-9708-019B960494DF}">
-                <a14:hiddenLine xmlns="" xmlns:a14="http://schemas.microsoft.com/office/drawing/2010/main" w="9525">
+                <a14:hiddenLine xmlns:a14="http://schemas.microsoft.com/office/drawing/2010/main" xmlns="" w="9525">
                   <a:solidFill>
                     <a:srgbClr val="000000"/>
                   </a:solidFill>
@@ -3827,7 +3828,7 @@
             </a:ln>
             <a:extLst>
               <a:ext uri="{91240B29-F687-4f45-9708-019B960494DF}">
-                <a14:hiddenLine xmlns="" xmlns:a14="http://schemas.microsoft.com/office/drawing/2010/main" w="9525">
+                <a14:hiddenLine xmlns:a14="http://schemas.microsoft.com/office/drawing/2010/main" xmlns="" w="9525">
                   <a:solidFill>
                     <a:srgbClr val="000000"/>
                   </a:solidFill>
@@ -3917,7 +3918,7 @@
             </a:ln>
             <a:extLst>
               <a:ext uri="{91240B29-F687-4f45-9708-019B960494DF}">
-                <a14:hiddenLine xmlns="" xmlns:a14="http://schemas.microsoft.com/office/drawing/2010/main" w="9525">
+                <a14:hiddenLine xmlns:a14="http://schemas.microsoft.com/office/drawing/2010/main" xmlns="" w="9525">
                   <a:solidFill>
                     <a:srgbClr val="000000"/>
                   </a:solidFill>
@@ -3979,7 +3980,7 @@
             </a:ln>
             <a:extLst>
               <a:ext uri="{91240B29-F687-4f45-9708-019B960494DF}">
-                <a14:hiddenLine xmlns="" xmlns:a14="http://schemas.microsoft.com/office/drawing/2010/main" w="9525">
+                <a14:hiddenLine xmlns:a14="http://schemas.microsoft.com/office/drawing/2010/main" xmlns="" w="9525">
                   <a:solidFill>
                     <a:srgbClr val="000000"/>
                   </a:solidFill>
@@ -4099,7 +4100,7 @@
             </a:ln>
             <a:extLst>
               <a:ext uri="{91240B29-F687-4f45-9708-019B960494DF}">
-                <a14:hiddenLine xmlns="" xmlns:a14="http://schemas.microsoft.com/office/drawing/2010/main" w="9525">
+                <a14:hiddenLine xmlns:a14="http://schemas.microsoft.com/office/drawing/2010/main" xmlns="" w="9525">
                   <a:solidFill>
                     <a:srgbClr val="000000"/>
                   </a:solidFill>
@@ -4167,7 +4168,7 @@
             </a:ln>
             <a:extLst>
               <a:ext uri="{91240B29-F687-4f45-9708-019B960494DF}">
-                <a14:hiddenLine xmlns="" xmlns:a14="http://schemas.microsoft.com/office/drawing/2010/main" w="9525">
+                <a14:hiddenLine xmlns:a14="http://schemas.microsoft.com/office/drawing/2010/main" xmlns="" w="9525">
                   <a:solidFill>
                     <a:srgbClr val="000000"/>
                   </a:solidFill>
@@ -4257,7 +4258,7 @@
             </a:ln>
             <a:extLst>
               <a:ext uri="{91240B29-F687-4f45-9708-019B960494DF}">
-                <a14:hiddenLine xmlns="" xmlns:a14="http://schemas.microsoft.com/office/drawing/2010/main" w="9525">
+                <a14:hiddenLine xmlns:a14="http://schemas.microsoft.com/office/drawing/2010/main" xmlns="" w="9525">
                   <a:solidFill>
                     <a:srgbClr val="000000"/>
                   </a:solidFill>
@@ -8979,7 +8980,7 @@
           <a:noFill/>
           <a:extLst>
             <a:ext uri="{909E8E84-426E-40dd-AFC4-6F175D3DCCD1}">
-              <a14:hiddenFill xmlns="" xmlns:a14="http://schemas.microsoft.com/office/drawing/2010/main">
+              <a14:hiddenFill xmlns:a14="http://schemas.microsoft.com/office/drawing/2010/main" xmlns="">
                 <a:solidFill>
                   <a:srgbClr val="FFFFFF"/>
                 </a:solidFill>
@@ -9053,7 +9054,7 @@
               </a:ln>
               <a:extLst>
                 <a:ext uri="{91240B29-F687-4f45-9708-019B960494DF}">
-                  <a14:hiddenLine xmlns="" xmlns:a14="http://schemas.microsoft.com/office/drawing/2010/main" w="9525">
+                  <a14:hiddenLine xmlns:a14="http://schemas.microsoft.com/office/drawing/2010/main" xmlns="" w="9525">
                     <a:solidFill>
                       <a:srgbClr val="000000"/>
                     </a:solidFill>
@@ -9143,7 +9144,7 @@
               </a:ln>
               <a:extLst>
                 <a:ext uri="{91240B29-F687-4f45-9708-019B960494DF}">
-                  <a14:hiddenLine xmlns="" xmlns:a14="http://schemas.microsoft.com/office/drawing/2010/main" w="9525">
+                  <a14:hiddenLine xmlns:a14="http://schemas.microsoft.com/office/drawing/2010/main" xmlns="" w="9525">
                     <a:solidFill>
                       <a:srgbClr val="000000"/>
                     </a:solidFill>
@@ -9233,7 +9234,7 @@
               </a:ln>
               <a:extLst>
                 <a:ext uri="{91240B29-F687-4f45-9708-019B960494DF}">
-                  <a14:hiddenLine xmlns="" xmlns:a14="http://schemas.microsoft.com/office/drawing/2010/main" w="9525">
+                  <a14:hiddenLine xmlns:a14="http://schemas.microsoft.com/office/drawing/2010/main" xmlns="" w="9525">
                     <a:solidFill>
                       <a:srgbClr val="000000"/>
                     </a:solidFill>
@@ -9295,7 +9296,7 @@
               </a:ln>
               <a:extLst>
                 <a:ext uri="{91240B29-F687-4f45-9708-019B960494DF}">
-                  <a14:hiddenLine xmlns="" xmlns:a14="http://schemas.microsoft.com/office/drawing/2010/main" w="9525">
+                  <a14:hiddenLine xmlns:a14="http://schemas.microsoft.com/office/drawing/2010/main" xmlns="" w="9525">
                     <a:solidFill>
                       <a:srgbClr val="000000"/>
                     </a:solidFill>
@@ -9385,7 +9386,7 @@
               </a:ln>
               <a:extLst>
                 <a:ext uri="{91240B29-F687-4f45-9708-019B960494DF}">
-                  <a14:hiddenLine xmlns="" xmlns:a14="http://schemas.microsoft.com/office/drawing/2010/main" w="9525">
+                  <a14:hiddenLine xmlns:a14="http://schemas.microsoft.com/office/drawing/2010/main" xmlns="" w="9525">
                     <a:solidFill>
                       <a:srgbClr val="000000"/>
                     </a:solidFill>
@@ -9447,7 +9448,7 @@
               </a:ln>
               <a:extLst>
                 <a:ext uri="{91240B29-F687-4f45-9708-019B960494DF}">
-                  <a14:hiddenLine xmlns="" xmlns:a14="http://schemas.microsoft.com/office/drawing/2010/main" w="9525">
+                  <a14:hiddenLine xmlns:a14="http://schemas.microsoft.com/office/drawing/2010/main" xmlns="" w="9525">
                     <a:solidFill>
                       <a:srgbClr val="000000"/>
                     </a:solidFill>
@@ -9509,7 +9510,7 @@
               </a:ln>
               <a:extLst>
                 <a:ext uri="{91240B29-F687-4f45-9708-019B960494DF}">
-                  <a14:hiddenLine xmlns="" xmlns:a14="http://schemas.microsoft.com/office/drawing/2010/main" w="9525">
+                  <a14:hiddenLine xmlns:a14="http://schemas.microsoft.com/office/drawing/2010/main" xmlns="" w="9525">
                     <a:solidFill>
                       <a:srgbClr val="000000"/>
                     </a:solidFill>
@@ -9599,7 +9600,7 @@
               </a:ln>
               <a:extLst>
                 <a:ext uri="{91240B29-F687-4f45-9708-019B960494DF}">
-                  <a14:hiddenLine xmlns="" xmlns:a14="http://schemas.microsoft.com/office/drawing/2010/main" w="9525">
+                  <a14:hiddenLine xmlns:a14="http://schemas.microsoft.com/office/drawing/2010/main" xmlns="" w="9525">
                     <a:solidFill>
                       <a:srgbClr val="000000"/>
                     </a:solidFill>
@@ -9689,7 +9690,7 @@
               </a:ln>
               <a:extLst>
                 <a:ext uri="{91240B29-F687-4f45-9708-019B960494DF}">
-                  <a14:hiddenLine xmlns="" xmlns:a14="http://schemas.microsoft.com/office/drawing/2010/main" w="9525">
+                  <a14:hiddenLine xmlns:a14="http://schemas.microsoft.com/office/drawing/2010/main" xmlns="" w="9525">
                     <a:solidFill>
                       <a:srgbClr val="000000"/>
                     </a:solidFill>
@@ -9751,7 +9752,7 @@
               </a:ln>
               <a:extLst>
                 <a:ext uri="{91240B29-F687-4f45-9708-019B960494DF}">
-                  <a14:hiddenLine xmlns="" xmlns:a14="http://schemas.microsoft.com/office/drawing/2010/main" w="9525">
+                  <a14:hiddenLine xmlns:a14="http://schemas.microsoft.com/office/drawing/2010/main" xmlns="" w="9525">
                     <a:solidFill>
                       <a:srgbClr val="000000"/>
                     </a:solidFill>
@@ -9861,7 +9862,7 @@
               </a:ln>
               <a:extLst>
                 <a:ext uri="{91240B29-F687-4f45-9708-019B960494DF}">
-                  <a14:hiddenLine xmlns="" xmlns:a14="http://schemas.microsoft.com/office/drawing/2010/main" w="9525">
+                  <a14:hiddenLine xmlns:a14="http://schemas.microsoft.com/office/drawing/2010/main" xmlns="" w="9525">
                     <a:solidFill>
                       <a:srgbClr val="000000"/>
                     </a:solidFill>
@@ -9945,7 +9946,7 @@
               </a:ln>
               <a:extLst>
                 <a:ext uri="{91240B29-F687-4f45-9708-019B960494DF}">
-                  <a14:hiddenLine xmlns="" xmlns:a14="http://schemas.microsoft.com/office/drawing/2010/main" w="9525">
+                  <a14:hiddenLine xmlns:a14="http://schemas.microsoft.com/office/drawing/2010/main" xmlns="" w="9525">
                     <a:solidFill>
                       <a:srgbClr val="000000"/>
                     </a:solidFill>
@@ -10007,7 +10008,7 @@
               </a:ln>
               <a:extLst>
                 <a:ext uri="{91240B29-F687-4f45-9708-019B960494DF}">
-                  <a14:hiddenLine xmlns="" xmlns:a14="http://schemas.microsoft.com/office/drawing/2010/main" w="9525">
+                  <a14:hiddenLine xmlns:a14="http://schemas.microsoft.com/office/drawing/2010/main" xmlns="" w="9525">
                     <a:solidFill>
                       <a:srgbClr val="000000"/>
                     </a:solidFill>
@@ -10069,7 +10070,7 @@
               </a:ln>
               <a:extLst>
                 <a:ext uri="{91240B29-F687-4f45-9708-019B960494DF}">
-                  <a14:hiddenLine xmlns="" xmlns:a14="http://schemas.microsoft.com/office/drawing/2010/main" w="9525">
+                  <a14:hiddenLine xmlns:a14="http://schemas.microsoft.com/office/drawing/2010/main" xmlns="" w="9525">
                     <a:solidFill>
                       <a:srgbClr val="000000"/>
                     </a:solidFill>
@@ -10159,7 +10160,7 @@
               </a:ln>
               <a:extLst>
                 <a:ext uri="{91240B29-F687-4f45-9708-019B960494DF}">
-                  <a14:hiddenLine xmlns="" xmlns:a14="http://schemas.microsoft.com/office/drawing/2010/main" w="9525">
+                  <a14:hiddenLine xmlns:a14="http://schemas.microsoft.com/office/drawing/2010/main" xmlns="" w="9525">
                     <a:solidFill>
                       <a:srgbClr val="000000"/>
                     </a:solidFill>
@@ -10193,7 +10194,7 @@
               </a:ln>
               <a:extLst>
                 <a:ext uri="{91240B29-F687-4f45-9708-019B960494DF}">
-                  <a14:hiddenLine xmlns="" xmlns:a14="http://schemas.microsoft.com/office/drawing/2010/main" w="9525">
+                  <a14:hiddenLine xmlns:a14="http://schemas.microsoft.com/office/drawing/2010/main" xmlns="" w="9525">
                     <a:solidFill>
                       <a:srgbClr val="000000"/>
                     </a:solidFill>
@@ -10258,7 +10259,7 @@
               </a:ln>
               <a:extLst>
                 <a:ext uri="{91240B29-F687-4f45-9708-019B960494DF}">
-                  <a14:hiddenLine xmlns="" xmlns:a14="http://schemas.microsoft.com/office/drawing/2010/main" w="9525">
+                  <a14:hiddenLine xmlns:a14="http://schemas.microsoft.com/office/drawing/2010/main" xmlns="" w="9525">
                     <a:solidFill>
                       <a:srgbClr val="000000"/>
                     </a:solidFill>
@@ -10348,7 +10349,7 @@
               </a:ln>
               <a:extLst>
                 <a:ext uri="{91240B29-F687-4f45-9708-019B960494DF}">
-                  <a14:hiddenLine xmlns="" xmlns:a14="http://schemas.microsoft.com/office/drawing/2010/main" w="9525">
+                  <a14:hiddenLine xmlns:a14="http://schemas.microsoft.com/office/drawing/2010/main" xmlns="" w="9525">
                     <a:solidFill>
                       <a:srgbClr val="000000"/>
                     </a:solidFill>
@@ -10410,7 +10411,7 @@
               </a:ln>
               <a:extLst>
                 <a:ext uri="{91240B29-F687-4f45-9708-019B960494DF}">
-                  <a14:hiddenLine xmlns="" xmlns:a14="http://schemas.microsoft.com/office/drawing/2010/main" w="9525">
+                  <a14:hiddenLine xmlns:a14="http://schemas.microsoft.com/office/drawing/2010/main" xmlns="" w="9525">
                     <a:solidFill>
                       <a:srgbClr val="000000"/>
                     </a:solidFill>
@@ -10500,7 +10501,7 @@
               </a:ln>
               <a:extLst>
                 <a:ext uri="{91240B29-F687-4f45-9708-019B960494DF}">
-                  <a14:hiddenLine xmlns="" xmlns:a14="http://schemas.microsoft.com/office/drawing/2010/main" w="9525">
+                  <a14:hiddenLine xmlns:a14="http://schemas.microsoft.com/office/drawing/2010/main" xmlns="" w="9525">
                     <a:solidFill>
                       <a:srgbClr val="000000"/>
                     </a:solidFill>
@@ -10565,7 +10566,7 @@
               </a:ln>
               <a:extLst>
                 <a:ext uri="{91240B29-F687-4f45-9708-019B960494DF}">
-                  <a14:hiddenLine xmlns="" xmlns:a14="http://schemas.microsoft.com/office/drawing/2010/main" w="9525">
+                  <a14:hiddenLine xmlns:a14="http://schemas.microsoft.com/office/drawing/2010/main" xmlns="" w="9525">
                     <a:solidFill>
                       <a:srgbClr val="000000"/>
                     </a:solidFill>
@@ -10627,7 +10628,7 @@
               </a:ln>
               <a:extLst>
                 <a:ext uri="{91240B29-F687-4f45-9708-019B960494DF}">
-                  <a14:hiddenLine xmlns="" xmlns:a14="http://schemas.microsoft.com/office/drawing/2010/main" w="9525">
+                  <a14:hiddenLine xmlns:a14="http://schemas.microsoft.com/office/drawing/2010/main" xmlns="" w="9525">
                     <a:solidFill>
                       <a:srgbClr val="000000"/>
                     </a:solidFill>
@@ -10717,7 +10718,7 @@
               </a:ln>
               <a:extLst>
                 <a:ext uri="{91240B29-F687-4f45-9708-019B960494DF}">
-                  <a14:hiddenLine xmlns="" xmlns:a14="http://schemas.microsoft.com/office/drawing/2010/main" w="9525">
+                  <a14:hiddenLine xmlns:a14="http://schemas.microsoft.com/office/drawing/2010/main" xmlns="" w="9525">
                     <a:solidFill>
                       <a:srgbClr val="000000"/>
                     </a:solidFill>
@@ -10807,7 +10808,7 @@
               </a:ln>
               <a:extLst>
                 <a:ext uri="{91240B29-F687-4f45-9708-019B960494DF}">
-                  <a14:hiddenLine xmlns="" xmlns:a14="http://schemas.microsoft.com/office/drawing/2010/main" w="9525">
+                  <a14:hiddenLine xmlns:a14="http://schemas.microsoft.com/office/drawing/2010/main" xmlns="" w="9525">
                     <a:solidFill>
                       <a:srgbClr val="000000"/>
                     </a:solidFill>
@@ -10872,7 +10873,7 @@
               </a:ln>
               <a:extLst>
                 <a:ext uri="{91240B29-F687-4f45-9708-019B960494DF}">
-                  <a14:hiddenLine xmlns="" xmlns:a14="http://schemas.microsoft.com/office/drawing/2010/main" w="9525">
+                  <a14:hiddenLine xmlns:a14="http://schemas.microsoft.com/office/drawing/2010/main" xmlns="" w="9525">
                     <a:solidFill>
                       <a:srgbClr val="000000"/>
                     </a:solidFill>
@@ -10992,7 +10993,7 @@
               </a:ln>
               <a:extLst>
                 <a:ext uri="{91240B29-F687-4f45-9708-019B960494DF}">
-                  <a14:hiddenLine xmlns="" xmlns:a14="http://schemas.microsoft.com/office/drawing/2010/main" w="9525">
+                  <a14:hiddenLine xmlns:a14="http://schemas.microsoft.com/office/drawing/2010/main" xmlns="" w="9525">
                     <a:solidFill>
                       <a:srgbClr val="000000"/>
                     </a:solidFill>
@@ -11090,7 +11091,7 @@
               </a:ln>
               <a:extLst>
                 <a:ext uri="{91240B29-F687-4f45-9708-019B960494DF}">
-                  <a14:hiddenLine xmlns="" xmlns:a14="http://schemas.microsoft.com/office/drawing/2010/main" w="9525">
+                  <a14:hiddenLine xmlns:a14="http://schemas.microsoft.com/office/drawing/2010/main" xmlns="" w="9525">
                     <a:solidFill>
                       <a:srgbClr val="000000"/>
                     </a:solidFill>
@@ -11205,7 +11206,7 @@
               </a:ln>
               <a:extLst>
                 <a:ext uri="{91240B29-F687-4f45-9708-019B960494DF}">
-                  <a14:hiddenLine xmlns="" xmlns:a14="http://schemas.microsoft.com/office/drawing/2010/main" w="9525">
+                  <a14:hiddenLine xmlns:a14="http://schemas.microsoft.com/office/drawing/2010/main" xmlns="" w="9525">
                     <a:solidFill>
                       <a:srgbClr val="000000"/>
                     </a:solidFill>
@@ -11295,7 +11296,7 @@
               </a:ln>
               <a:extLst>
                 <a:ext uri="{91240B29-F687-4f45-9708-019B960494DF}">
-                  <a14:hiddenLine xmlns="" xmlns:a14="http://schemas.microsoft.com/office/drawing/2010/main" w="9525">
+                  <a14:hiddenLine xmlns:a14="http://schemas.microsoft.com/office/drawing/2010/main" xmlns="" w="9525">
                     <a:solidFill>
                       <a:srgbClr val="000000"/>
                     </a:solidFill>
@@ -11360,7 +11361,7 @@
               </a:ln>
               <a:extLst>
                 <a:ext uri="{91240B29-F687-4f45-9708-019B960494DF}">
-                  <a14:hiddenLine xmlns="" xmlns:a14="http://schemas.microsoft.com/office/drawing/2010/main" w="9525">
+                  <a14:hiddenLine xmlns:a14="http://schemas.microsoft.com/office/drawing/2010/main" xmlns="" w="9525">
                     <a:solidFill>
                       <a:srgbClr val="000000"/>
                     </a:solidFill>
@@ -11450,7 +11451,7 @@
               </a:ln>
               <a:extLst>
                 <a:ext uri="{91240B29-F687-4f45-9708-019B960494DF}">
-                  <a14:hiddenLine xmlns="" xmlns:a14="http://schemas.microsoft.com/office/drawing/2010/main" w="9525">
+                  <a14:hiddenLine xmlns:a14="http://schemas.microsoft.com/office/drawing/2010/main" xmlns="" w="9525">
                     <a:solidFill>
                       <a:srgbClr val="000000"/>
                     </a:solidFill>
@@ -11518,7 +11519,7 @@
               </a:ln>
               <a:extLst>
                 <a:ext uri="{91240B29-F687-4f45-9708-019B960494DF}">
-                  <a14:hiddenLine xmlns="" xmlns:a14="http://schemas.microsoft.com/office/drawing/2010/main" w="9525">
+                  <a14:hiddenLine xmlns:a14="http://schemas.microsoft.com/office/drawing/2010/main" xmlns="" w="9525">
                     <a:solidFill>
                       <a:srgbClr val="000000"/>
                     </a:solidFill>
@@ -11608,7 +11609,7 @@
               </a:ln>
               <a:extLst>
                 <a:ext uri="{91240B29-F687-4f45-9708-019B960494DF}">
-                  <a14:hiddenLine xmlns="" xmlns:a14="http://schemas.microsoft.com/office/drawing/2010/main" w="9525">
+                  <a14:hiddenLine xmlns:a14="http://schemas.microsoft.com/office/drawing/2010/main" xmlns="" w="9525">
                     <a:solidFill>
                       <a:srgbClr val="000000"/>
                     </a:solidFill>
@@ -11676,7 +11677,7 @@
               </a:ln>
               <a:extLst>
                 <a:ext uri="{91240B29-F687-4f45-9708-019B960494DF}">
-                  <a14:hiddenLine xmlns="" xmlns:a14="http://schemas.microsoft.com/office/drawing/2010/main" w="9525">
+                  <a14:hiddenLine xmlns:a14="http://schemas.microsoft.com/office/drawing/2010/main" xmlns="" w="9525">
                     <a:solidFill>
                       <a:srgbClr val="000000"/>
                     </a:solidFill>
@@ -11766,7 +11767,7 @@
               </a:ln>
               <a:extLst>
                 <a:ext uri="{91240B29-F687-4f45-9708-019B960494DF}">
-                  <a14:hiddenLine xmlns="" xmlns:a14="http://schemas.microsoft.com/office/drawing/2010/main" w="9525">
+                  <a14:hiddenLine xmlns:a14="http://schemas.microsoft.com/office/drawing/2010/main" xmlns="" w="9525">
                     <a:solidFill>
                       <a:srgbClr val="000000"/>
                     </a:solidFill>
@@ -11800,7 +11801,7 @@
               </a:ln>
               <a:extLst>
                 <a:ext uri="{91240B29-F687-4f45-9708-019B960494DF}">
-                  <a14:hiddenLine xmlns="" xmlns:a14="http://schemas.microsoft.com/office/drawing/2010/main" w="9525">
+                  <a14:hiddenLine xmlns:a14="http://schemas.microsoft.com/office/drawing/2010/main" xmlns="" w="9525">
                     <a:solidFill>
                       <a:srgbClr val="000000"/>
                     </a:solidFill>
@@ -12502,168 +12503,17 @@
   <p:clrMapOvr>
     <a:masterClrMapping/>
   </p:clrMapOvr>
+  <p:timing>
+    <p:tnLst>
+      <p:par>
+        <p:cTn id="1" dur="indefinite" restart="never" nodeType="tmRoot"/>
+      </p:par>
+    </p:tnLst>
+  </p:timing>
 </p:sld>
 </file>
 
 <file path=ppt/slides/slide10.xml><?xml version="1.0" encoding="utf-8"?>
-<p:sld xmlns:a="http://schemas.openxmlformats.org/drawingml/2006/main" xmlns:r="http://schemas.openxmlformats.org/officeDocument/2006/relationships" xmlns:p="http://schemas.openxmlformats.org/presentationml/2006/main">
-  <p:cSld>
-    <p:spTree>
-      <p:nvGrpSpPr>
-        <p:cNvPr id="1" name=""/>
-        <p:cNvGrpSpPr/>
-        <p:nvPr/>
-      </p:nvGrpSpPr>
-      <p:grpSpPr>
-        <a:xfrm>
-          <a:off x="0" y="0"/>
-          <a:ext cx="0" cy="0"/>
-          <a:chOff x="0" y="0"/>
-          <a:chExt cx="0" cy="0"/>
-        </a:xfrm>
-      </p:grpSpPr>
-      <p:sp>
-        <p:nvSpPr>
-          <p:cNvPr id="4" name="Content Placeholder 2"/>
-          <p:cNvSpPr>
-            <a:spLocks noGrp="1"/>
-          </p:cNvSpPr>
-          <p:nvPr>
-            <p:ph idx="1"/>
-          </p:nvPr>
-        </p:nvSpPr>
-        <p:spPr>
-          <a:xfrm>
-            <a:off x="879230" y="1553308"/>
-            <a:ext cx="10726615" cy="4525963"/>
-          </a:xfrm>
-          <a:ln>
-            <a:noFill/>
-          </a:ln>
-        </p:spPr>
-        <p:txBody>
-          <a:bodyPr>
-            <a:noAutofit/>
-          </a:bodyPr>
-          <a:lstStyle/>
-          <a:p>
-            <a:r>
-              <a:rPr lang="en-US" sz="3200" dirty="0" smtClean="0">
-                <a:solidFill>
-                  <a:schemeClr val="bg1"/>
-                </a:solidFill>
-              </a:rPr>
-              <a:t>Allows users to Sign Up and Sign In</a:t>
-            </a:r>
-          </a:p>
-          <a:p>
-            <a:r>
-              <a:rPr lang="en-US" sz="3200" dirty="0" smtClean="0">
-                <a:solidFill>
-                  <a:schemeClr val="bg1"/>
-                </a:solidFill>
-              </a:rPr>
-              <a:t>Shows user cart when login successful</a:t>
-            </a:r>
-          </a:p>
-          <a:p>
-            <a:r>
-              <a:rPr lang="en-US" sz="3200" dirty="0" smtClean="0">
-                <a:solidFill>
-                  <a:schemeClr val="bg1"/>
-                </a:solidFill>
-              </a:rPr>
-              <a:t>Users can see and modify their cart</a:t>
-            </a:r>
-          </a:p>
-          <a:p>
-            <a:r>
-              <a:rPr lang="en-US" sz="3200" dirty="0" smtClean="0">
-                <a:solidFill>
-                  <a:schemeClr val="bg1"/>
-                </a:solidFill>
-              </a:rPr>
-              <a:t>Shows item count and total price</a:t>
-            </a:r>
-          </a:p>
-          <a:p>
-            <a:r>
-              <a:rPr lang="en-US" sz="3200" dirty="0" smtClean="0">
-                <a:solidFill>
-                  <a:schemeClr val="bg1"/>
-                </a:solidFill>
-              </a:rPr>
-              <a:t>Allows to delete and add items from cart</a:t>
-            </a:r>
-          </a:p>
-          <a:p>
-            <a:r>
-              <a:rPr lang="en-US" sz="3200" dirty="0" smtClean="0">
-                <a:solidFill>
-                  <a:schemeClr val="bg1"/>
-                </a:solidFill>
-              </a:rPr>
-              <a:t>Shows detailed description of items along with their SKU, aisle number, price details and the brand name</a:t>
-            </a:r>
-            <a:endParaRPr lang="en-US" sz="3200" dirty="0">
-              <a:solidFill>
-                <a:schemeClr val="bg1"/>
-              </a:solidFill>
-            </a:endParaRPr>
-          </a:p>
-        </p:txBody>
-      </p:sp>
-      <p:sp>
-        <p:nvSpPr>
-          <p:cNvPr id="5" name="Title 1"/>
-          <p:cNvSpPr>
-            <a:spLocks noGrp="1"/>
-          </p:cNvSpPr>
-          <p:nvPr>
-            <p:ph type="title"/>
-          </p:nvPr>
-        </p:nvSpPr>
-        <p:spPr>
-          <a:xfrm>
-            <a:off x="2127737" y="204300"/>
-            <a:ext cx="8229600" cy="1143000"/>
-          </a:xfrm>
-        </p:spPr>
-        <p:txBody>
-          <a:bodyPr/>
-          <a:lstStyle/>
-          <a:p>
-            <a:pPr algn="ctr"/>
-            <a:r>
-              <a:rPr lang="en-US" dirty="0" smtClean="0">
-                <a:solidFill>
-                  <a:schemeClr val="bg1"/>
-                </a:solidFill>
-              </a:rPr>
-              <a:t>How it works</a:t>
-            </a:r>
-            <a:endParaRPr lang="en-US" dirty="0">
-              <a:solidFill>
-                <a:schemeClr val="bg1"/>
-              </a:solidFill>
-            </a:endParaRPr>
-          </a:p>
-        </p:txBody>
-      </p:sp>
-    </p:spTree>
-    <p:extLst>
-      <p:ext uri="{BB962C8B-B14F-4D97-AF65-F5344CB8AC3E}">
-        <p14:creationId xmlns:p14="http://schemas.microsoft.com/office/powerpoint/2010/main" val="1779000049"/>
-      </p:ext>
-    </p:extLst>
-  </p:cSld>
-  <p:clrMapOvr>
-    <a:masterClrMapping/>
-  </p:clrMapOvr>
-</p:sld>
-</file>
-
-<file path=ppt/slides/slide2.xml><?xml version="1.0" encoding="utf-8"?>
 <p:sld xmlns:a="http://schemas.openxmlformats.org/drawingml/2006/main" xmlns:r="http://schemas.openxmlformats.org/officeDocument/2006/relationships" xmlns:p="http://schemas.openxmlformats.org/presentationml/2006/main">
   <p:cSld>
     <p:spTree>
@@ -12688,8 +12538,8 @@
         </p:nvSpPr>
         <p:spPr>
           <a:xfrm>
-            <a:off x="2181497" y="313508"/>
-            <a:ext cx="8007531" cy="523220"/>
+            <a:off x="756058" y="1841862"/>
+            <a:ext cx="10676708" cy="4216539"/>
           </a:xfrm>
           <a:prstGeom prst="rect">
             <a:avLst/>
@@ -12702,76 +12552,401 @@
           </a:bodyPr>
           <a:lstStyle/>
           <a:p>
-            <a:pPr algn="ctr"/>
-            <a:r>
-              <a:rPr lang="en-US" sz="2800" dirty="0" smtClean="0">
+            <a:endParaRPr lang="en-CA" dirty="0">
+              <a:solidFill>
+                <a:schemeClr val="bg1"/>
+              </a:solidFill>
+            </a:endParaRPr>
+          </a:p>
+          <a:p>
+            <a:r>
+              <a:rPr lang="en-CA" sz="2000" b="1" dirty="0" smtClean="0">
+                <a:solidFill>
+                  <a:schemeClr val="bg1"/>
+                </a:solidFill>
+                <a:latin typeface="Tw Cen MT (Body)"/>
+              </a:rPr>
+              <a:t>Intro to Software Engineering:</a:t>
+            </a:r>
+          </a:p>
+          <a:p>
+            <a:r>
+              <a:rPr lang="en-CA" sz="2000" b="1" dirty="0">
+                <a:solidFill>
+                  <a:schemeClr val="bg1"/>
+                </a:solidFill>
+                <a:latin typeface="Tw Cen MT (Body)"/>
+              </a:rPr>
+              <a:t>	</a:t>
+            </a:r>
+            <a:r>
+              <a:rPr lang="en-CA" sz="2000" b="1" dirty="0" smtClean="0">
+                <a:solidFill>
+                  <a:schemeClr val="bg1"/>
+                </a:solidFill>
+                <a:latin typeface="Tw Cen MT (Body)"/>
+              </a:rPr>
+              <a:t>	</a:t>
+            </a:r>
+            <a:r>
+              <a:rPr lang="en-CA" sz="2000" dirty="0" smtClean="0">
+                <a:solidFill>
+                  <a:schemeClr val="bg1"/>
+                </a:solidFill>
+                <a:latin typeface="Tw Cen MT (Body)"/>
+              </a:rPr>
+              <a:t>Learned </a:t>
+            </a:r>
+            <a:r>
+              <a:rPr lang="en-CA" sz="2000" dirty="0" smtClean="0">
+                <a:solidFill>
+                  <a:schemeClr val="bg1"/>
+                </a:solidFill>
+                <a:latin typeface="Tw Cen MT (Body)"/>
+              </a:rPr>
+              <a:t>to create Gantt Charts for better scheduling and prioritizing tasks</a:t>
+            </a:r>
+          </a:p>
+          <a:p>
+            <a:endParaRPr lang="en-CA" sz="2000" dirty="0">
+              <a:solidFill>
+                <a:schemeClr val="bg1"/>
+              </a:solidFill>
+              <a:latin typeface="Tw Cen MT (Body)"/>
+            </a:endParaRPr>
+          </a:p>
+          <a:p>
+            <a:r>
+              <a:rPr lang="en-CA" sz="2000" b="1" dirty="0" smtClean="0">
+                <a:solidFill>
+                  <a:schemeClr val="bg1"/>
+                </a:solidFill>
+                <a:latin typeface="Tw Cen MT (Body)"/>
+              </a:rPr>
+              <a:t>Technical C:</a:t>
+            </a:r>
+          </a:p>
+          <a:p>
+            <a:r>
+              <a:rPr lang="en-CA" sz="2000" b="1" dirty="0">
+                <a:solidFill>
+                  <a:schemeClr val="bg1"/>
+                </a:solidFill>
+                <a:latin typeface="Tw Cen MT (Body)"/>
+              </a:rPr>
+              <a:t>	 </a:t>
+            </a:r>
+            <a:r>
+              <a:rPr lang="en-CA" sz="2000" b="1" dirty="0" smtClean="0">
+                <a:solidFill>
+                  <a:schemeClr val="bg1"/>
+                </a:solidFill>
+                <a:latin typeface="Tw Cen MT (Body)"/>
+              </a:rPr>
+              <a:t>     </a:t>
+            </a:r>
+            <a:r>
+              <a:rPr lang="en-CA" dirty="0" smtClean="0">
+                <a:solidFill>
+                  <a:schemeClr val="bg1"/>
+                </a:solidFill>
+                <a:latin typeface="Tw Cen MT (Body)"/>
+              </a:rPr>
+              <a:t>We were taught how to get started with Raspberry Pi and how to use and configure GPIO pins.</a:t>
+            </a:r>
+          </a:p>
+          <a:p>
+            <a:endParaRPr lang="en-CA" dirty="0">
+              <a:solidFill>
+                <a:schemeClr val="bg1"/>
+              </a:solidFill>
+              <a:latin typeface="Tw Cen MT (Body)"/>
+            </a:endParaRPr>
+          </a:p>
+          <a:p>
+            <a:r>
+              <a:rPr lang="en-CA" b="1" dirty="0" smtClean="0">
+                <a:solidFill>
+                  <a:schemeClr val="bg1"/>
+                </a:solidFill>
+                <a:latin typeface="Tw Cen MT (Body)"/>
+              </a:rPr>
+              <a:t>Android Programming:</a:t>
+            </a:r>
+          </a:p>
+          <a:p>
+            <a:r>
+              <a:rPr lang="en-CA" dirty="0" smtClean="0">
+                <a:solidFill>
+                  <a:schemeClr val="bg1"/>
+                </a:solidFill>
+                <a:latin typeface="Tw Cen MT (Body)"/>
+              </a:rPr>
+              <a:t>		We learned how to make the app and how to manage the database.</a:t>
+            </a:r>
+            <a:endParaRPr lang="en-CA" dirty="0" smtClean="0">
+              <a:solidFill>
+                <a:schemeClr val="bg1"/>
+              </a:solidFill>
+              <a:latin typeface="Tw Cen MT (Body)"/>
+            </a:endParaRPr>
+          </a:p>
+          <a:p>
+            <a:endParaRPr lang="en-CA" dirty="0">
+              <a:solidFill>
+                <a:schemeClr val="bg1"/>
+              </a:solidFill>
+              <a:latin typeface="Tw Cen MT (Body)"/>
+            </a:endParaRPr>
+          </a:p>
+          <a:p>
+            <a:r>
+              <a:rPr lang="en-CA" sz="2400" b="1" u="sng" dirty="0" smtClean="0">
+                <a:solidFill>
+                  <a:schemeClr val="bg1"/>
+                </a:solidFill>
+                <a:latin typeface="Tw Cen MT (Body)"/>
+              </a:rPr>
+              <a:t>This Course:</a:t>
+            </a:r>
+          </a:p>
+          <a:p>
+            <a:r>
+              <a:rPr lang="en-CA" dirty="0" smtClean="0">
+                <a:solidFill>
+                  <a:schemeClr val="bg1"/>
+                </a:solidFill>
+                <a:latin typeface="Tw Cen MT (Body)"/>
+              </a:rPr>
+              <a:t>		This </a:t>
+            </a:r>
+            <a:r>
+              <a:rPr lang="en-CA" dirty="0">
+                <a:solidFill>
+                  <a:schemeClr val="bg1"/>
+                </a:solidFill>
+                <a:latin typeface="Tw Cen MT (Body)"/>
+              </a:rPr>
+              <a:t>was the only course which gave us an insight on how to play-around with Raspberry Pi and modify system settings to incorporate out sensors code into the </a:t>
+            </a:r>
+            <a:r>
+              <a:rPr lang="en-CA" dirty="0" err="1">
+                <a:solidFill>
+                  <a:schemeClr val="bg1"/>
+                </a:solidFill>
+                <a:latin typeface="Tw Cen MT (Body)"/>
+              </a:rPr>
+              <a:t>Raspbian</a:t>
+            </a:r>
+            <a:r>
+              <a:rPr lang="en-CA" dirty="0">
+                <a:solidFill>
+                  <a:schemeClr val="bg1"/>
+                </a:solidFill>
+                <a:latin typeface="Tw Cen MT (Body)"/>
+              </a:rPr>
+              <a:t> OS. Another very important skill we learned in this course was using </a:t>
+            </a:r>
+            <a:r>
+              <a:rPr lang="en-CA" dirty="0" err="1">
+                <a:solidFill>
+                  <a:schemeClr val="bg1"/>
+                </a:solidFill>
+                <a:latin typeface="Tw Cen MT (Body)"/>
+              </a:rPr>
+              <a:t>Github</a:t>
+            </a:r>
+            <a:r>
+              <a:rPr lang="en-CA" dirty="0">
+                <a:solidFill>
+                  <a:schemeClr val="bg1"/>
+                </a:solidFill>
+                <a:latin typeface="Tw Cen MT (Body)"/>
+              </a:rPr>
+              <a:t> effectively</a:t>
+            </a:r>
+            <a:r>
+              <a:rPr lang="en-CA" dirty="0" smtClean="0">
+                <a:solidFill>
+                  <a:schemeClr val="bg1"/>
+                </a:solidFill>
+                <a:latin typeface="Tw Cen MT (Body)"/>
+              </a:rPr>
+              <a:t>.</a:t>
+            </a:r>
+            <a:endParaRPr lang="en-CA" dirty="0">
+              <a:solidFill>
+                <a:schemeClr val="bg1"/>
+              </a:solidFill>
+              <a:latin typeface="Tw Cen MT (Body)"/>
+            </a:endParaRPr>
+          </a:p>
+        </p:txBody>
+      </p:sp>
+      <p:sp>
+        <p:nvSpPr>
+          <p:cNvPr id="5" name="Title 4"/>
+          <p:cNvSpPr>
+            <a:spLocks noGrp="1"/>
+          </p:cNvSpPr>
+          <p:nvPr>
+            <p:ph type="title"/>
+          </p:nvPr>
+        </p:nvSpPr>
+        <p:spPr/>
+        <p:txBody>
+          <a:bodyPr/>
+          <a:lstStyle/>
+          <a:p>
+            <a:r>
+              <a:rPr lang="en-CA" dirty="0" smtClean="0">
                 <a:solidFill>
                   <a:schemeClr val="bg1"/>
                 </a:solidFill>
               </a:rPr>
-              <a:t>Your superstore experience can be much more positive</a:t>
-            </a:r>
-            <a:endParaRPr lang="en-US" sz="2800" dirty="0">
-              <a:solidFill>
-                <a:schemeClr val="bg1"/>
-              </a:solidFill>
-            </a:endParaRPr>
-          </a:p>
-        </p:txBody>
-      </p:sp>
-      <p:sp>
-        <p:nvSpPr>
-          <p:cNvPr id="5" name="TextBox 4"/>
-          <p:cNvSpPr txBox="1"/>
-          <p:nvPr/>
-        </p:nvSpPr>
-        <p:spPr>
-          <a:xfrm>
-            <a:off x="1489166" y="5812971"/>
-            <a:ext cx="9535885" cy="646331"/>
-          </a:xfrm>
-          <a:prstGeom prst="rect">
-            <a:avLst/>
-          </a:prstGeom>
-          <a:noFill/>
-        </p:spPr>
-        <p:txBody>
-          <a:bodyPr wrap="square" rtlCol="0">
-            <a:spAutoFit/>
-          </a:bodyPr>
-          <a:lstStyle/>
-          <a:p>
-            <a:pPr algn="ctr"/>
-            <a:r>
-              <a:rPr lang="en-US" sz="3600" dirty="0" smtClean="0">
-                <a:solidFill>
-                  <a:schemeClr val="bg1"/>
-                </a:solidFill>
-              </a:rPr>
-              <a:t>Save Time				Save Money				Save Effort</a:t>
-            </a:r>
-            <a:endParaRPr lang="en-US" sz="3600" dirty="0">
-              <a:solidFill>
-                <a:schemeClr val="bg1"/>
-              </a:solidFill>
-            </a:endParaRPr>
+              <a:t>Previous Course Knowledge</a:t>
+            </a:r>
+            <a:endParaRPr lang="en-US" dirty="0"/>
           </a:p>
         </p:txBody>
       </p:sp>
     </p:spTree>
     <p:extLst>
       <p:ext uri="{BB962C8B-B14F-4D97-AF65-F5344CB8AC3E}">
-        <p14:creationId xmlns:p14="http://schemas.microsoft.com/office/powerpoint/2010/main" val="2335621857"/>
+        <p14:creationId xmlns:p14="http://schemas.microsoft.com/office/powerpoint/2010/main" val="1685288580"/>
       </p:ext>
     </p:extLst>
   </p:cSld>
   <p:clrMapOvr>
     <a:masterClrMapping/>
   </p:clrMapOvr>
+  <p:timing>
+    <p:tnLst>
+      <p:par>
+        <p:cTn id="1" dur="indefinite" restart="never" nodeType="tmRoot"/>
+      </p:par>
+    </p:tnLst>
+  </p:timing>
 </p:sld>
 </file>
 
-<file path=ppt/slides/slide3.xml><?xml version="1.0" encoding="utf-8"?>
+<file path=ppt/slides/slide11.xml><?xml version="1.0" encoding="utf-8"?>
+<p:sld xmlns:a="http://schemas.openxmlformats.org/drawingml/2006/main" xmlns:r="http://schemas.openxmlformats.org/officeDocument/2006/relationships" xmlns:p="http://schemas.openxmlformats.org/presentationml/2006/main">
+  <p:cSld>
+    <p:spTree>
+      <p:nvGrpSpPr>
+        <p:cNvPr id="1" name=""/>
+        <p:cNvGrpSpPr/>
+        <p:nvPr/>
+      </p:nvGrpSpPr>
+      <p:grpSpPr>
+        <a:xfrm>
+          <a:off x="0" y="0"/>
+          <a:ext cx="0" cy="0"/>
+          <a:chOff x="0" y="0"/>
+          <a:chExt cx="0" cy="0"/>
+        </a:xfrm>
+      </p:grpSpPr>
+      <p:sp>
+        <p:nvSpPr>
+          <p:cNvPr id="2" name="Title 1"/>
+          <p:cNvSpPr>
+            <a:spLocks noGrp="1"/>
+          </p:cNvSpPr>
+          <p:nvPr>
+            <p:ph type="title"/>
+          </p:nvPr>
+        </p:nvSpPr>
+        <p:spPr/>
+        <p:txBody>
+          <a:bodyPr>
+            <a:normAutofit/>
+          </a:bodyPr>
+          <a:lstStyle/>
+          <a:p>
+            <a:pPr algn="ctr"/>
+            <a:r>
+              <a:rPr lang="en-US" sz="6600" dirty="0" smtClean="0">
+                <a:solidFill>
+                  <a:schemeClr val="bg1"/>
+                </a:solidFill>
+              </a:rPr>
+              <a:t>Thank You</a:t>
+            </a:r>
+            <a:endParaRPr lang="en-US" sz="6600" dirty="0">
+              <a:solidFill>
+                <a:schemeClr val="bg1"/>
+              </a:solidFill>
+            </a:endParaRPr>
+          </a:p>
+        </p:txBody>
+      </p:sp>
+      <p:sp>
+        <p:nvSpPr>
+          <p:cNvPr id="3" name="Content Placeholder 2"/>
+          <p:cNvSpPr>
+            <a:spLocks noGrp="1"/>
+          </p:cNvSpPr>
+          <p:nvPr>
+            <p:ph idx="1"/>
+          </p:nvPr>
+        </p:nvSpPr>
+        <p:spPr>
+          <a:xfrm>
+            <a:off x="1141412" y="4219303"/>
+            <a:ext cx="9905999" cy="1571898"/>
+          </a:xfrm>
+        </p:spPr>
+        <p:txBody>
+          <a:bodyPr>
+            <a:normAutofit/>
+          </a:bodyPr>
+          <a:lstStyle/>
+          <a:p>
+            <a:pPr marL="0" indent="0" algn="ctr">
+              <a:buNone/>
+            </a:pPr>
+            <a:r>
+              <a:rPr lang="en-US" sz="6000" dirty="0" smtClean="0">
+                <a:solidFill>
+                  <a:schemeClr val="bg1"/>
+                </a:solidFill>
+                <a:latin typeface="Arial" panose="020B0604020202020204" pitchFamily="34" charset="0"/>
+                <a:cs typeface="Arial" panose="020B0604020202020204" pitchFamily="34" charset="0"/>
+              </a:rPr>
+              <a:t>Questions?</a:t>
+            </a:r>
+            <a:endParaRPr lang="en-US" sz="6000" dirty="0">
+              <a:solidFill>
+                <a:schemeClr val="bg1"/>
+              </a:solidFill>
+              <a:latin typeface="Arial" panose="020B0604020202020204" pitchFamily="34" charset="0"/>
+              <a:cs typeface="Arial" panose="020B0604020202020204" pitchFamily="34" charset="0"/>
+            </a:endParaRPr>
+          </a:p>
+        </p:txBody>
+      </p:sp>
+    </p:spTree>
+    <p:extLst>
+      <p:ext uri="{BB962C8B-B14F-4D97-AF65-F5344CB8AC3E}">
+        <p14:creationId xmlns:p14="http://schemas.microsoft.com/office/powerpoint/2010/main" val="3676885942"/>
+      </p:ext>
+    </p:extLst>
+  </p:cSld>
+  <p:clrMapOvr>
+    <a:masterClrMapping/>
+  </p:clrMapOvr>
+  <p:timing>
+    <p:tnLst>
+      <p:par>
+        <p:cTn id="1" dur="indefinite" restart="never" nodeType="tmRoot"/>
+      </p:par>
+    </p:tnLst>
+  </p:timing>
+</p:sld>
+</file>
+
+<file path=ppt/slides/slide2.xml><?xml version="1.0" encoding="utf-8"?>
 <p:sld xmlns:a="http://schemas.openxmlformats.org/drawingml/2006/main" xmlns:r="http://schemas.openxmlformats.org/officeDocument/2006/relationships" xmlns:p="http://schemas.openxmlformats.org/presentationml/2006/main">
   <p:cSld>
     <p:spTree>
@@ -12797,7 +12972,7 @@
         <p:spPr>
           <a:xfrm>
             <a:off x="1031965" y="287383"/>
-            <a:ext cx="9640389" cy="5878532"/>
+            <a:ext cx="9640389" cy="6186309"/>
           </a:xfrm>
           <a:prstGeom prst="rect">
             <a:avLst/>
@@ -12838,8 +13013,25 @@
                 <a:latin typeface="Arial" panose="020B0604020202020204" pitchFamily="34" charset="0"/>
                 <a:cs typeface="Arial" panose="020B0604020202020204" pitchFamily="34" charset="0"/>
               </a:rPr>
-              <a:t>A Raspberry Pi 3-B</a:t>
-            </a:r>
+              <a:t>A Raspberry Pi </a:t>
+            </a:r>
+            <a:r>
+              <a:rPr lang="en-US" sz="3200" dirty="0" smtClean="0">
+                <a:solidFill>
+                  <a:schemeClr val="bg1"/>
+                </a:solidFill>
+                <a:latin typeface="Arial" panose="020B0604020202020204" pitchFamily="34" charset="0"/>
+                <a:cs typeface="Arial" panose="020B0604020202020204" pitchFamily="34" charset="0"/>
+              </a:rPr>
+              <a:t>3-B $40.00</a:t>
+            </a:r>
+            <a:endParaRPr lang="en-US" sz="3200" dirty="0" smtClean="0">
+              <a:solidFill>
+                <a:schemeClr val="bg1"/>
+              </a:solidFill>
+              <a:latin typeface="Arial" panose="020B0604020202020204" pitchFamily="34" charset="0"/>
+              <a:cs typeface="Arial" panose="020B0604020202020204" pitchFamily="34" charset="0"/>
+            </a:endParaRPr>
           </a:p>
           <a:p>
             <a:r>
@@ -12870,10 +13062,8 @@
                 <a:latin typeface="Arial" panose="020B0604020202020204" pitchFamily="34" charset="0"/>
                 <a:cs typeface="Arial" panose="020B0604020202020204" pitchFamily="34" charset="0"/>
               </a:rPr>
-              <a:t>(HC-SR501)</a:t>
-            </a:r>
-          </a:p>
-          <a:p>
+              <a:t>(HC-SR501</a:t>
+            </a:r>
             <a:r>
               <a:rPr lang="en-US" sz="3200" dirty="0" smtClean="0">
                 <a:solidFill>
@@ -12882,8 +13072,15 @@
                 <a:latin typeface="Arial" panose="020B0604020202020204" pitchFamily="34" charset="0"/>
                 <a:cs typeface="Arial" panose="020B0604020202020204" pitchFamily="34" charset="0"/>
               </a:rPr>
-              <a:t>A Touchscreen</a:t>
-            </a:r>
+              <a:t>) $5.00</a:t>
+            </a:r>
+            <a:endParaRPr lang="en-US" sz="3200" dirty="0" smtClean="0">
+              <a:solidFill>
+                <a:schemeClr val="bg1"/>
+              </a:solidFill>
+              <a:latin typeface="Arial" panose="020B0604020202020204" pitchFamily="34" charset="0"/>
+              <a:cs typeface="Arial" panose="020B0604020202020204" pitchFamily="34" charset="0"/>
+            </a:endParaRPr>
           </a:p>
           <a:p>
             <a:r>
@@ -12894,10 +13091,18 @@
                 <a:latin typeface="Arial" panose="020B0604020202020204" pitchFamily="34" charset="0"/>
                 <a:cs typeface="Arial" panose="020B0604020202020204" pitchFamily="34" charset="0"/>
               </a:rPr>
-              <a:t>An LED</a:t>
-            </a:r>
-          </a:p>
-          <a:p>
+              <a:t>A </a:t>
+            </a:r>
+            <a:r>
+              <a:rPr lang="en-US" sz="3200" dirty="0" smtClean="0">
+                <a:solidFill>
+                  <a:schemeClr val="bg1"/>
+                </a:solidFill>
+                <a:latin typeface="Arial" panose="020B0604020202020204" pitchFamily="34" charset="0"/>
+                <a:cs typeface="Arial" panose="020B0604020202020204" pitchFamily="34" charset="0"/>
+              </a:rPr>
+              <a:t>Touchscreen $40.00</a:t>
+            </a:r>
             <a:endParaRPr lang="en-US" sz="3200" dirty="0" smtClean="0">
               <a:solidFill>
                 <a:schemeClr val="bg1"/>
@@ -12907,6 +13112,26 @@
             </a:endParaRPr>
           </a:p>
           <a:p>
+            <a:r>
+              <a:rPr lang="en-US" sz="3200" dirty="0" smtClean="0">
+                <a:solidFill>
+                  <a:schemeClr val="bg1"/>
+                </a:solidFill>
+                <a:latin typeface="Arial" panose="020B0604020202020204" pitchFamily="34" charset="0"/>
+                <a:cs typeface="Arial" panose="020B0604020202020204" pitchFamily="34" charset="0"/>
+              </a:rPr>
+              <a:t>An </a:t>
+            </a:r>
+            <a:r>
+              <a:rPr lang="en-US" sz="3200" dirty="0" smtClean="0">
+                <a:solidFill>
+                  <a:schemeClr val="bg1"/>
+                </a:solidFill>
+                <a:latin typeface="Arial" panose="020B0604020202020204" pitchFamily="34" charset="0"/>
+                <a:cs typeface="Arial" panose="020B0604020202020204" pitchFamily="34" charset="0"/>
+              </a:rPr>
+              <a:t>LED $0.25</a:t>
+            </a:r>
             <a:endParaRPr lang="en-US" sz="3200" dirty="0">
               <a:solidFill>
                 <a:schemeClr val="bg1"/>
@@ -12934,8 +13159,64 @@
                 <a:latin typeface="Arial" panose="020B0604020202020204" pitchFamily="34" charset="0"/>
                 <a:cs typeface="Arial" panose="020B0604020202020204" pitchFamily="34" charset="0"/>
               </a:rPr>
-              <a:t>WHY? ? ?</a:t>
-            </a:r>
+              <a:t>WHY? ? </a:t>
+            </a:r>
+            <a:r>
+              <a:rPr lang="en-US" sz="7200" b="1" dirty="0" smtClean="0">
+                <a:solidFill>
+                  <a:schemeClr val="bg1"/>
+                </a:solidFill>
+                <a:latin typeface="Arial" panose="020B0604020202020204" pitchFamily="34" charset="0"/>
+                <a:cs typeface="Arial" panose="020B0604020202020204" pitchFamily="34" charset="0"/>
+              </a:rPr>
+              <a:t>?</a:t>
+            </a:r>
+          </a:p>
+          <a:p>
+            <a:pPr algn="ctr"/>
+            <a:r>
+              <a:rPr lang="en-US" sz="2800" b="1" dirty="0" smtClean="0">
+                <a:solidFill>
+                  <a:schemeClr val="bg1"/>
+                </a:solidFill>
+                <a:latin typeface="Arial" panose="020B0604020202020204" pitchFamily="34" charset="0"/>
+                <a:cs typeface="Arial" panose="020B0604020202020204" pitchFamily="34" charset="0"/>
+              </a:rPr>
+              <a:t>Only 2 hours to build</a:t>
+            </a:r>
+          </a:p>
+          <a:p>
+            <a:pPr algn="ctr"/>
+            <a:r>
+              <a:rPr lang="en-US" sz="2800" b="1" dirty="0" smtClean="0">
+                <a:solidFill>
+                  <a:schemeClr val="bg1"/>
+                </a:solidFill>
+                <a:latin typeface="Arial" panose="020B0604020202020204" pitchFamily="34" charset="0"/>
+                <a:cs typeface="Arial" panose="020B0604020202020204" pitchFamily="34" charset="0"/>
+              </a:rPr>
+              <a:t>Low-priced</a:t>
+            </a:r>
+          </a:p>
+          <a:p>
+            <a:pPr algn="ctr"/>
+            <a:r>
+              <a:rPr lang="en-US" sz="2800" b="1" dirty="0" smtClean="0">
+                <a:solidFill>
+                  <a:schemeClr val="bg1"/>
+                </a:solidFill>
+                <a:latin typeface="Arial" panose="020B0604020202020204" pitchFamily="34" charset="0"/>
+                <a:cs typeface="Arial" panose="020B0604020202020204" pitchFamily="34" charset="0"/>
+              </a:rPr>
+              <a:t>Can be Modified</a:t>
+            </a:r>
+            <a:endParaRPr lang="en-US" sz="2800" b="1" dirty="0" smtClean="0">
+              <a:solidFill>
+                <a:schemeClr val="bg1"/>
+              </a:solidFill>
+              <a:latin typeface="Arial" panose="020B0604020202020204" pitchFamily="34" charset="0"/>
+              <a:cs typeface="Arial" panose="020B0604020202020204" pitchFamily="34" charset="0"/>
+            </a:endParaRPr>
           </a:p>
         </p:txBody>
       </p:sp>
@@ -12949,10 +13230,17 @@
   <p:clrMapOvr>
     <a:masterClrMapping/>
   </p:clrMapOvr>
+  <p:timing>
+    <p:tnLst>
+      <p:par>
+        <p:cTn id="1" dur="indefinite" restart="never" nodeType="tmRoot"/>
+      </p:par>
+    </p:tnLst>
+  </p:timing>
 </p:sld>
 </file>
 
-<file path=ppt/slides/slide4.xml><?xml version="1.0" encoding="utf-8"?>
+<file path=ppt/slides/slide3.xml><?xml version="1.0" encoding="utf-8"?>
 <p:sld xmlns:a="http://schemas.openxmlformats.org/drawingml/2006/main" xmlns:r="http://schemas.openxmlformats.org/officeDocument/2006/relationships" xmlns:p="http://schemas.openxmlformats.org/presentationml/2006/main">
   <p:cSld>
     <p:spTree>
@@ -13078,10 +13366,17 @@
   <p:clrMapOvr>
     <a:masterClrMapping/>
   </p:clrMapOvr>
+  <p:timing>
+    <p:tnLst>
+      <p:par>
+        <p:cTn id="1" dur="indefinite" restart="never" nodeType="tmRoot"/>
+      </p:par>
+    </p:tnLst>
+  </p:timing>
 </p:sld>
 </file>
 
-<file path=ppt/slides/slide5.xml><?xml version="1.0" encoding="utf-8"?>
+<file path=ppt/slides/slide4.xml><?xml version="1.0" encoding="utf-8"?>
 <p:sld xmlns:a="http://schemas.openxmlformats.org/drawingml/2006/main" xmlns:r="http://schemas.openxmlformats.org/officeDocument/2006/relationships" xmlns:p="http://schemas.openxmlformats.org/presentationml/2006/main">
   <p:cSld>
     <p:spTree>
@@ -13182,10 +13477,17 @@
   <p:clrMapOvr>
     <a:masterClrMapping/>
   </p:clrMapOvr>
+  <p:timing>
+    <p:tnLst>
+      <p:par>
+        <p:cTn id="1" dur="indefinite" restart="never" nodeType="tmRoot"/>
+      </p:par>
+    </p:tnLst>
+  </p:timing>
 </p:sld>
 </file>
 
-<file path=ppt/slides/slide6.xml><?xml version="1.0" encoding="utf-8"?>
+<file path=ppt/slides/slide5.xml><?xml version="1.0" encoding="utf-8"?>
 <p:sld xmlns:a="http://schemas.openxmlformats.org/drawingml/2006/main" xmlns:r="http://schemas.openxmlformats.org/officeDocument/2006/relationships" xmlns:p="http://schemas.openxmlformats.org/presentationml/2006/main">
   <p:cSld>
     <p:spTree>
@@ -13310,10 +13612,17 @@
   <p:clrMapOvr>
     <a:masterClrMapping/>
   </p:clrMapOvr>
+  <p:timing>
+    <p:tnLst>
+      <p:par>
+        <p:cTn id="1" dur="indefinite" restart="never" nodeType="tmRoot"/>
+      </p:par>
+    </p:tnLst>
+  </p:timing>
 </p:sld>
 </file>
 
-<file path=ppt/slides/slide7.xml><?xml version="1.0" encoding="utf-8"?>
+<file path=ppt/slides/slide6.xml><?xml version="1.0" encoding="utf-8"?>
 <p:sld xmlns:a="http://schemas.openxmlformats.org/drawingml/2006/main" xmlns:r="http://schemas.openxmlformats.org/officeDocument/2006/relationships" xmlns:p="http://schemas.openxmlformats.org/presentationml/2006/main">
   <p:cSld>
     <p:spTree>
@@ -13425,10 +13734,17 @@
   <p:clrMapOvr>
     <a:masterClrMapping/>
   </p:clrMapOvr>
+  <p:timing>
+    <p:tnLst>
+      <p:par>
+        <p:cTn id="1" dur="indefinite" restart="never" nodeType="tmRoot"/>
+      </p:par>
+    </p:tnLst>
+  </p:timing>
 </p:sld>
 </file>
 
-<file path=ppt/slides/slide8.xml><?xml version="1.0" encoding="utf-8"?>
+<file path=ppt/slides/slide7.xml><?xml version="1.0" encoding="utf-8"?>
 <p:sld xmlns:a="http://schemas.openxmlformats.org/drawingml/2006/main" xmlns:r="http://schemas.openxmlformats.org/officeDocument/2006/relationships" xmlns:p="http://schemas.openxmlformats.org/presentationml/2006/main">
   <p:cSld>
     <p:spTree>
@@ -13751,10 +14067,17 @@
   <p:clrMapOvr>
     <a:masterClrMapping/>
   </p:clrMapOvr>
+  <p:timing>
+    <p:tnLst>
+      <p:par>
+        <p:cTn id="1" dur="indefinite" restart="never" nodeType="tmRoot"/>
+      </p:par>
+    </p:tnLst>
+  </p:timing>
 </p:sld>
 </file>
 
-<file path=ppt/slides/slide9.xml><?xml version="1.0" encoding="utf-8"?>
+<file path=ppt/slides/slide8.xml><?xml version="1.0" encoding="utf-8"?>
 <p:sld xmlns:a="http://schemas.openxmlformats.org/drawingml/2006/main" xmlns:r="http://schemas.openxmlformats.org/officeDocument/2006/relationships" xmlns:p="http://schemas.openxmlformats.org/presentationml/2006/main">
   <p:cSld>
     <p:spTree>
@@ -13956,15 +14279,7 @@
                   <a:schemeClr val="bg1"/>
                 </a:solidFill>
               </a:rPr>
-              <a:t>Connection with </a:t>
-            </a:r>
-            <a:r>
-              <a:rPr lang="en-US" dirty="0" smtClean="0">
-                <a:solidFill>
-                  <a:schemeClr val="bg1"/>
-                </a:solidFill>
-              </a:rPr>
-              <a:t>database</a:t>
+              <a:t>Connection with database</a:t>
             </a:r>
             <a:endParaRPr lang="en-US" dirty="0">
               <a:solidFill>
@@ -13984,6 +14299,178 @@
   <p:clrMapOvr>
     <a:masterClrMapping/>
   </p:clrMapOvr>
+  <p:timing>
+    <p:tnLst>
+      <p:par>
+        <p:cTn id="1" dur="indefinite" restart="never" nodeType="tmRoot"/>
+      </p:par>
+    </p:tnLst>
+  </p:timing>
+</p:sld>
+</file>
+
+<file path=ppt/slides/slide9.xml><?xml version="1.0" encoding="utf-8"?>
+<p:sld xmlns:a="http://schemas.openxmlformats.org/drawingml/2006/main" xmlns:r="http://schemas.openxmlformats.org/officeDocument/2006/relationships" xmlns:p="http://schemas.openxmlformats.org/presentationml/2006/main">
+  <p:cSld>
+    <p:spTree>
+      <p:nvGrpSpPr>
+        <p:cNvPr id="1" name=""/>
+        <p:cNvGrpSpPr/>
+        <p:nvPr/>
+      </p:nvGrpSpPr>
+      <p:grpSpPr>
+        <a:xfrm>
+          <a:off x="0" y="0"/>
+          <a:ext cx="0" cy="0"/>
+          <a:chOff x="0" y="0"/>
+          <a:chExt cx="0" cy="0"/>
+        </a:xfrm>
+      </p:grpSpPr>
+      <p:sp>
+        <p:nvSpPr>
+          <p:cNvPr id="4" name="Content Placeholder 2"/>
+          <p:cNvSpPr>
+            <a:spLocks noGrp="1"/>
+          </p:cNvSpPr>
+          <p:nvPr>
+            <p:ph idx="1"/>
+          </p:nvPr>
+        </p:nvSpPr>
+        <p:spPr>
+          <a:xfrm>
+            <a:off x="879230" y="1553308"/>
+            <a:ext cx="10726615" cy="4525963"/>
+          </a:xfrm>
+          <a:ln>
+            <a:noFill/>
+          </a:ln>
+        </p:spPr>
+        <p:txBody>
+          <a:bodyPr>
+            <a:noAutofit/>
+          </a:bodyPr>
+          <a:lstStyle/>
+          <a:p>
+            <a:r>
+              <a:rPr lang="en-US" sz="3200" dirty="0" smtClean="0">
+                <a:solidFill>
+                  <a:schemeClr val="bg1"/>
+                </a:solidFill>
+              </a:rPr>
+              <a:t>Allows users to Sign Up and Sign In</a:t>
+            </a:r>
+          </a:p>
+          <a:p>
+            <a:r>
+              <a:rPr lang="en-US" sz="3200" dirty="0" smtClean="0">
+                <a:solidFill>
+                  <a:schemeClr val="bg1"/>
+                </a:solidFill>
+              </a:rPr>
+              <a:t>Shows user cart when login successful</a:t>
+            </a:r>
+          </a:p>
+          <a:p>
+            <a:r>
+              <a:rPr lang="en-US" sz="3200" dirty="0" smtClean="0">
+                <a:solidFill>
+                  <a:schemeClr val="bg1"/>
+                </a:solidFill>
+              </a:rPr>
+              <a:t>Users can see and modify their cart</a:t>
+            </a:r>
+          </a:p>
+          <a:p>
+            <a:r>
+              <a:rPr lang="en-US" sz="3200" dirty="0" smtClean="0">
+                <a:solidFill>
+                  <a:schemeClr val="bg1"/>
+                </a:solidFill>
+              </a:rPr>
+              <a:t>Shows item count and total price</a:t>
+            </a:r>
+          </a:p>
+          <a:p>
+            <a:r>
+              <a:rPr lang="en-US" sz="3200" dirty="0" smtClean="0">
+                <a:solidFill>
+                  <a:schemeClr val="bg1"/>
+                </a:solidFill>
+              </a:rPr>
+              <a:t>Allows to delete and add items from cart</a:t>
+            </a:r>
+          </a:p>
+          <a:p>
+            <a:r>
+              <a:rPr lang="en-US" sz="3200" dirty="0" smtClean="0">
+                <a:solidFill>
+                  <a:schemeClr val="bg1"/>
+                </a:solidFill>
+              </a:rPr>
+              <a:t>Shows detailed description of items along with their SKU, aisle number, price details and the brand name</a:t>
+            </a:r>
+            <a:endParaRPr lang="en-US" sz="3200" dirty="0">
+              <a:solidFill>
+                <a:schemeClr val="bg1"/>
+              </a:solidFill>
+            </a:endParaRPr>
+          </a:p>
+        </p:txBody>
+      </p:sp>
+      <p:sp>
+        <p:nvSpPr>
+          <p:cNvPr id="5" name="Title 1"/>
+          <p:cNvSpPr>
+            <a:spLocks noGrp="1"/>
+          </p:cNvSpPr>
+          <p:nvPr>
+            <p:ph type="title"/>
+          </p:nvPr>
+        </p:nvSpPr>
+        <p:spPr>
+          <a:xfrm>
+            <a:off x="2127737" y="204300"/>
+            <a:ext cx="8229600" cy="1143000"/>
+          </a:xfrm>
+        </p:spPr>
+        <p:txBody>
+          <a:bodyPr/>
+          <a:lstStyle/>
+          <a:p>
+            <a:pPr algn="ctr"/>
+            <a:r>
+              <a:rPr lang="en-US" dirty="0" smtClean="0">
+                <a:solidFill>
+                  <a:schemeClr val="bg1"/>
+                </a:solidFill>
+              </a:rPr>
+              <a:t>How it works</a:t>
+            </a:r>
+            <a:endParaRPr lang="en-US" dirty="0">
+              <a:solidFill>
+                <a:schemeClr val="bg1"/>
+              </a:solidFill>
+            </a:endParaRPr>
+          </a:p>
+        </p:txBody>
+      </p:sp>
+    </p:spTree>
+    <p:extLst>
+      <p:ext uri="{BB962C8B-B14F-4D97-AF65-F5344CB8AC3E}">
+        <p14:creationId xmlns:p14="http://schemas.microsoft.com/office/powerpoint/2010/main" val="1779000049"/>
+      </p:ext>
+    </p:extLst>
+  </p:cSld>
+  <p:clrMapOvr>
+    <a:masterClrMapping/>
+  </p:clrMapOvr>
+  <p:timing>
+    <p:tnLst>
+      <p:par>
+        <p:cTn id="1" dur="indefinite" restart="never" nodeType="tmRoot"/>
+      </p:par>
+    </p:tnLst>
+  </p:timing>
 </p:sld>
 </file>
 
